--- a/프로젝트 2차 발표/프로젝트 2차 발표 ppt.pptx
+++ b/프로젝트 2차 발표/프로젝트 2차 발표 ppt.pptx
@@ -5834,14 +5834,14 @@
           <p:nvPr>
             <p:extLst>
               <p:ext uri="{D42A27DB-BD31-4B8C-83A1-F6EECF244321}">
-                <p14:modId xmlns:p14="http://schemas.microsoft.com/office/powerpoint/2010/main" val="2570265162"/>
+                <p14:modId xmlns:p14="http://schemas.microsoft.com/office/powerpoint/2010/main" val="469086778"/>
               </p:ext>
             </p:extLst>
           </p:nvPr>
         </p:nvGraphicFramePr>
         <p:xfrm>
-          <a:off x="1315633" y="705640"/>
-          <a:ext cx="9824386" cy="5839746"/>
+          <a:off x="1315633" y="686752"/>
+          <a:ext cx="9824386" cy="5869929"/>
         </p:xfrm>
         <a:graphic>
           <a:graphicData uri="http://schemas.openxmlformats.org/drawingml/2006/table">
@@ -6041,7 +6041,7 @@
                           <a:latin typeface="강한공군체 Medium" panose="020B0600000101010101" pitchFamily="34" charset="-127"/>
                           <a:ea typeface="강한공군체 Medium" panose="020B0600000101010101" pitchFamily="34" charset="-127"/>
                         </a:rPr>
-                        <a:t>70%</a:t>
+                        <a:t>90%</a:t>
                       </a:r>
                     </a:p>
                   </a:txBody>
@@ -6215,7 +6215,7 @@
                   </a:ext>
                 </a:extLst>
               </a:tr>
-              <a:tr h="618508">
+              <a:tr h="487383">
                 <a:tc>
                   <a:txBody>
                     <a:bodyPr/>
@@ -6304,25 +6304,6 @@
                       </a:endParaRPr>
                     </a:p>
                     <a:p>
-                      <a:pPr marL="0" indent="0" algn="just" latinLnBrk="1">
-                        <a:buNone/>
-                      </a:pPr>
-                      <a:r>
-                        <a:rPr lang="en-US" altLang="ko-KR" sz="1200" dirty="0">
-                          <a:latin typeface="강한공군체 Medium" panose="020B0600000101010101" pitchFamily="34" charset="-127"/>
-                          <a:ea typeface="강한공군체 Medium" panose="020B0600000101010101" pitchFamily="34" charset="-127"/>
-                        </a:rPr>
-                        <a:t>2. </a:t>
-                      </a:r>
-                      <a:r>
-                        <a:rPr lang="ko-KR" altLang="en-US" sz="1200" dirty="0">
-                          <a:latin typeface="강한공군체 Medium" panose="020B0600000101010101" pitchFamily="34" charset="-127"/>
-                          <a:ea typeface="강한공군체 Medium" panose="020B0600000101010101" pitchFamily="34" charset="-127"/>
-                        </a:rPr>
-                        <a:t>몬스터 위치 설정</a:t>
-                      </a:r>
-                    </a:p>
-                    <a:p>
                       <a:pPr algn="just" latinLnBrk="1"/>
                       <a:r>
                         <a:rPr lang="en-US" altLang="ko-KR" sz="1200" dirty="0">
@@ -6332,7 +6313,7 @@
                           <a:latin typeface="강한공군체 Medium" panose="020B0600000101010101" pitchFamily="34" charset="-127"/>
                           <a:ea typeface="강한공군체 Medium" panose="020B0600000101010101" pitchFamily="34" charset="-127"/>
                         </a:rPr>
-                        <a:t>3. </a:t>
+                        <a:t>2. </a:t>
                       </a:r>
                       <a:r>
                         <a:rPr lang="ko-KR" altLang="en-US" sz="1200" dirty="0">
@@ -6359,7 +6340,7 @@
                           <a:latin typeface="강한공군체 Medium" panose="020B0600000101010101" pitchFamily="34" charset="-127"/>
                           <a:ea typeface="강한공군체 Medium" panose="020B0600000101010101" pitchFamily="34" charset="-127"/>
                         </a:rPr>
-                        <a:t>10%</a:t>
+                        <a:t>15%</a:t>
                       </a:r>
                       <a:endParaRPr lang="ko-KR" altLang="en-US" sz="1600" dirty="0">
                         <a:latin typeface="강한공군체 Medium" panose="020B0600000101010101" pitchFamily="34" charset="-127"/>
@@ -6438,6 +6419,52 @@
                     <a:bodyPr/>
                     <a:lstStyle/>
                     <a:p>
+                      <a:pPr marL="0" marR="0" lvl="0" indent="0" algn="just" defTabSz="914400" rtl="0" eaLnBrk="1" fontAlgn="auto" latinLnBrk="1" hangingPunct="1">
+                        <a:lnSpc>
+                          <a:spcPct val="100000"/>
+                        </a:lnSpc>
+                        <a:spcBef>
+                          <a:spcPts val="0"/>
+                        </a:spcBef>
+                        <a:spcAft>
+                          <a:spcPts val="0"/>
+                        </a:spcAft>
+                        <a:buClrTx/>
+                        <a:buSzTx/>
+                        <a:buFontTx/>
+                        <a:buNone/>
+                        <a:tabLst/>
+                        <a:defRPr/>
+                      </a:pPr>
+                      <a:r>
+                        <a:rPr lang="en-US" altLang="ko-KR" sz="1200" dirty="0">
+                          <a:solidFill>
+                            <a:srgbClr val="FF0000"/>
+                          </a:solidFill>
+                          <a:latin typeface="강한공군체 Medium" panose="020B0600000101010101" pitchFamily="34" charset="-127"/>
+                          <a:ea typeface="강한공군체 Medium" panose="020B0600000101010101" pitchFamily="34" charset="-127"/>
+                        </a:rPr>
+                        <a:t>1. </a:t>
+                      </a:r>
+                      <a:r>
+                        <a:rPr lang="ko-KR" altLang="en-US" sz="1200" dirty="0">
+                          <a:solidFill>
+                            <a:srgbClr val="FF0000"/>
+                          </a:solidFill>
+                          <a:latin typeface="강한공군체 Medium" panose="020B0600000101010101" pitchFamily="34" charset="-127"/>
+                          <a:ea typeface="강한공군체 Medium" panose="020B0600000101010101" pitchFamily="34" charset="-127"/>
+                        </a:rPr>
+                        <a:t>몬스터 위치 설정</a:t>
+                      </a:r>
+                      <a:endParaRPr lang="en-US" altLang="ko-KR" sz="1200" dirty="0">
+                        <a:solidFill>
+                          <a:srgbClr val="FF0000"/>
+                        </a:solidFill>
+                        <a:latin typeface="강한공군체 Medium" panose="020B0600000101010101" pitchFamily="34" charset="-127"/>
+                        <a:ea typeface="강한공군체 Medium" panose="020B0600000101010101" pitchFamily="34" charset="-127"/>
+                      </a:endParaRPr>
+                    </a:p>
+                    <a:p>
                       <a:pPr marL="0" indent="0" algn="just" latinLnBrk="1">
                         <a:buNone/>
                       </a:pPr>
@@ -6446,7 +6473,7 @@
                           <a:latin typeface="강한공군체 Medium" panose="020B0600000101010101" pitchFamily="34" charset="-127"/>
                           <a:ea typeface="강한공군체 Medium" panose="020B0600000101010101" pitchFamily="34" charset="-127"/>
                         </a:rPr>
-                        <a:t>1. </a:t>
+                        <a:t>2. </a:t>
                       </a:r>
                       <a:r>
                         <a:rPr lang="ko-KR" altLang="en-US" sz="1200" dirty="0">
@@ -6469,7 +6496,7 @@
                           <a:latin typeface="강한공군체 Medium" panose="020B0600000101010101" pitchFamily="34" charset="-127"/>
                           <a:ea typeface="강한공군체 Medium" panose="020B0600000101010101" pitchFamily="34" charset="-127"/>
                         </a:rPr>
-                        <a:t>2. </a:t>
+                        <a:t>3. </a:t>
                       </a:r>
                       <a:r>
                         <a:rPr lang="ko-KR" altLang="en-US" sz="1200" dirty="0">
@@ -6492,7 +6519,7 @@
                           <a:latin typeface="강한공군체 Medium" panose="020B0600000101010101" pitchFamily="34" charset="-127"/>
                           <a:ea typeface="강한공군체 Medium" panose="020B0600000101010101" pitchFamily="34" charset="-127"/>
                         </a:rPr>
-                        <a:t>3. </a:t>
+                        <a:t>4. </a:t>
                       </a:r>
                       <a:r>
                         <a:rPr lang="ko-KR" altLang="en-US" sz="1200" dirty="0">
@@ -6501,6 +6528,10 @@
                         </a:rPr>
                         <a:t>사망 시 아이템 드롭 구현</a:t>
                       </a:r>
+                      <a:endParaRPr lang="en-US" altLang="ko-KR" sz="1200" dirty="0">
+                        <a:latin typeface="강한공군체 Medium" panose="020B0600000101010101" pitchFamily="34" charset="-127"/>
+                        <a:ea typeface="강한공군체 Medium" panose="020B0600000101010101" pitchFamily="34" charset="-127"/>
+                      </a:endParaRPr>
                     </a:p>
                   </a:txBody>
                   <a:tcPr/>
@@ -6579,7 +6610,37 @@
                           <a:latin typeface="강한공군체 Medium" panose="020B0600000101010101" pitchFamily="34" charset="-127"/>
                           <a:ea typeface="강한공군체 Medium" panose="020B0600000101010101" pitchFamily="34" charset="-127"/>
                         </a:rPr>
-                        <a:t>추가 구현 및 중간 점검</a:t>
+                        <a:t>추가 구현 및 </a:t>
+                      </a:r>
+                      <a:endParaRPr lang="en-US" altLang="ko-KR" sz="1600" dirty="0">
+                        <a:latin typeface="강한공군체 Medium" panose="020B0600000101010101" pitchFamily="34" charset="-127"/>
+                        <a:ea typeface="강한공군체 Medium" panose="020B0600000101010101" pitchFamily="34" charset="-127"/>
+                      </a:endParaRPr>
+                    </a:p>
+                    <a:p>
+                      <a:pPr marL="0" marR="0" lvl="0" indent="0" algn="ctr" defTabSz="914400" rtl="0" eaLnBrk="1" fontAlgn="auto" latinLnBrk="1" hangingPunct="1">
+                        <a:lnSpc>
+                          <a:spcPct val="100000"/>
+                        </a:lnSpc>
+                        <a:spcBef>
+                          <a:spcPts val="0"/>
+                        </a:spcBef>
+                        <a:spcAft>
+                          <a:spcPts val="0"/>
+                        </a:spcAft>
+                        <a:buClrTx/>
+                        <a:buSzTx/>
+                        <a:buFontTx/>
+                        <a:buNone/>
+                        <a:tabLst/>
+                        <a:defRPr/>
+                      </a:pPr>
+                      <a:r>
+                        <a:rPr lang="ko-KR" altLang="en-US" sz="1600" dirty="0">
+                          <a:latin typeface="강한공군체 Medium" panose="020B0600000101010101" pitchFamily="34" charset="-127"/>
+                          <a:ea typeface="강한공군체 Medium" panose="020B0600000101010101" pitchFamily="34" charset="-127"/>
+                        </a:rPr>
+                        <a:t>중간 점검</a:t>
                       </a:r>
                     </a:p>
                   </a:txBody>
@@ -7240,10 +7301,13 @@
                       <a:pPr marL="0" indent="0" algn="ctr" latinLnBrk="1">
                         <a:buNone/>
                       </a:pPr>
-                      <a:endParaRPr lang="en-US" altLang="ko-KR" sz="1600" dirty="0">
-                        <a:latin typeface="강한공군체 Medium" panose="020B0600000101010101" pitchFamily="34" charset="-127"/>
-                        <a:ea typeface="강한공군체 Medium" panose="020B0600000101010101" pitchFamily="34" charset="-127"/>
-                      </a:endParaRPr>
+                      <a:r>
+                        <a:rPr lang="en-US" altLang="ko-KR" sz="1600" dirty="0">
+                          <a:latin typeface="강한공군체 Medium" panose="020B0600000101010101" pitchFamily="34" charset="-127"/>
+                          <a:ea typeface="강한공군체 Medium" panose="020B0600000101010101" pitchFamily="34" charset="-127"/>
+                        </a:rPr>
+                        <a:t>20%</a:t>
+                      </a:r>
                     </a:p>
                   </a:txBody>
                   <a:tcPr/>

--- a/프로젝트 2차 발표/프로젝트 2차 발표 ppt.pptx
+++ b/프로젝트 2차 발표/프로젝트 2차 발표 ppt.pptx
@@ -199,7 +199,7 @@
           <a:p>
             <a:fld id="{29FBE7CF-0772-4315-980A-FF22ABF10FF7}" type="datetimeFigureOut">
               <a:rPr lang="ko-KR" altLang="en-US" smtClean="0"/>
-              <a:t>2022-10-17</a:t>
+              <a:t>2022-10-18</a:t>
             </a:fld>
             <a:endParaRPr lang="ko-KR" altLang="en-US"/>
           </a:p>
@@ -788,7 +788,7 @@
                 </a:solidFill>
               </a:rPr>
               <a:pPr/>
-              <a:t>2022-10-17</a:t>
+              <a:t>2022-10-18</a:t>
             </a:fld>
             <a:endParaRPr lang="ko-KR" altLang="en-US" dirty="0">
               <a:solidFill>
@@ -1018,7 +1018,7 @@
                 </a:solidFill>
               </a:rPr>
               <a:pPr/>
-              <a:t>2022-10-17</a:t>
+              <a:t>2022-10-18</a:t>
             </a:fld>
             <a:endParaRPr lang="ko-KR" altLang="en-US" dirty="0">
               <a:solidFill>
@@ -1258,7 +1258,7 @@
                 </a:solidFill>
               </a:rPr>
               <a:pPr/>
-              <a:t>2022-10-17</a:t>
+              <a:t>2022-10-18</a:t>
             </a:fld>
             <a:endParaRPr lang="ko-KR" altLang="en-US" dirty="0">
               <a:solidFill>
@@ -1488,7 +1488,7 @@
                 </a:solidFill>
               </a:rPr>
               <a:pPr/>
-              <a:t>2022-10-17</a:t>
+              <a:t>2022-10-18</a:t>
             </a:fld>
             <a:endParaRPr lang="ko-KR" altLang="en-US" dirty="0">
               <a:solidFill>
@@ -1795,7 +1795,7 @@
                 </a:solidFill>
               </a:rPr>
               <a:pPr/>
-              <a:t>2022-10-17</a:t>
+              <a:t>2022-10-18</a:t>
             </a:fld>
             <a:endParaRPr lang="ko-KR" altLang="en-US" dirty="0">
               <a:solidFill>
@@ -2092,7 +2092,7 @@
                 </a:solidFill>
               </a:rPr>
               <a:pPr/>
-              <a:t>2022-10-17</a:t>
+              <a:t>2022-10-18</a:t>
             </a:fld>
             <a:endParaRPr lang="ko-KR" altLang="en-US" dirty="0">
               <a:solidFill>
@@ -2536,7 +2536,7 @@
                 </a:solidFill>
               </a:rPr>
               <a:pPr/>
-              <a:t>2022-10-17</a:t>
+              <a:t>2022-10-18</a:t>
             </a:fld>
             <a:endParaRPr lang="ko-KR" altLang="en-US" dirty="0">
               <a:solidFill>
@@ -2709,7 +2709,7 @@
                 </a:solidFill>
               </a:rPr>
               <a:pPr/>
-              <a:t>2022-10-17</a:t>
+              <a:t>2022-10-18</a:t>
             </a:fld>
             <a:endParaRPr lang="ko-KR" altLang="en-US" dirty="0">
               <a:solidFill>
@@ -2854,7 +2854,7 @@
                 </a:solidFill>
               </a:rPr>
               <a:pPr/>
-              <a:t>2022-10-17</a:t>
+              <a:t>2022-10-18</a:t>
             </a:fld>
             <a:endParaRPr lang="ko-KR" altLang="en-US" dirty="0">
               <a:solidFill>
@@ -3197,7 +3197,7 @@
                 </a:solidFill>
               </a:rPr>
               <a:pPr/>
-              <a:t>2022-10-17</a:t>
+              <a:t>2022-10-18</a:t>
             </a:fld>
             <a:endParaRPr lang="ko-KR" altLang="en-US" dirty="0">
               <a:solidFill>
@@ -3517,7 +3517,7 @@
                 </a:solidFill>
               </a:rPr>
               <a:pPr/>
-              <a:t>2022-10-17</a:t>
+              <a:t>2022-10-18</a:t>
             </a:fld>
             <a:endParaRPr lang="ko-KR" altLang="en-US" dirty="0">
               <a:solidFill>
@@ -3790,7 +3790,7 @@
                 </a:solidFill>
               </a:rPr>
               <a:pPr/>
-              <a:t>2022-10-17</a:t>
+              <a:t>2022-10-18</a:t>
             </a:fld>
             <a:endParaRPr lang="ko-KR" altLang="en-US" dirty="0">
               <a:solidFill>
@@ -8224,6 +8224,306 @@
           </a:extLst>
         </p:spPr>
       </p:pic>
+      <p:pic>
+        <p:nvPicPr>
+          <p:cNvPr id="13" name="그림 12">
+            <a:extLst>
+              <a:ext uri="{FF2B5EF4-FFF2-40B4-BE49-F238E27FC236}">
+                <a16:creationId xmlns:a16="http://schemas.microsoft.com/office/drawing/2014/main" id="{93F47815-826D-4473-952D-B37641D88A97}"/>
+              </a:ext>
+            </a:extLst>
+          </p:cNvPr>
+          <p:cNvPicPr>
+            <a:picLocks noChangeAspect="1"/>
+          </p:cNvPicPr>
+          <p:nvPr/>
+        </p:nvPicPr>
+        <p:blipFill>
+          <a:blip r:embed="rId3"/>
+          <a:stretch>
+            <a:fillRect/>
+          </a:stretch>
+        </p:blipFill>
+        <p:spPr>
+          <a:xfrm>
+            <a:off x="1557393" y="897566"/>
+            <a:ext cx="4251732" cy="1683761"/>
+          </a:xfrm>
+          <a:prstGeom prst="rect">
+            <a:avLst/>
+          </a:prstGeom>
+        </p:spPr>
+      </p:pic>
+      <p:pic>
+        <p:nvPicPr>
+          <p:cNvPr id="15" name="그림 14">
+            <a:extLst>
+              <a:ext uri="{FF2B5EF4-FFF2-40B4-BE49-F238E27FC236}">
+                <a16:creationId xmlns:a16="http://schemas.microsoft.com/office/drawing/2014/main" id="{783A6F6D-7509-8133-1DBD-4BB5EAA70451}"/>
+              </a:ext>
+            </a:extLst>
+          </p:cNvPr>
+          <p:cNvPicPr>
+            <a:picLocks noChangeAspect="1"/>
+          </p:cNvPicPr>
+          <p:nvPr/>
+        </p:nvPicPr>
+        <p:blipFill>
+          <a:blip r:embed="rId4"/>
+          <a:stretch>
+            <a:fillRect/>
+          </a:stretch>
+        </p:blipFill>
+        <p:spPr>
+          <a:xfrm>
+            <a:off x="1557393" y="2664841"/>
+            <a:ext cx="4348886" cy="1726054"/>
+          </a:xfrm>
+          <a:prstGeom prst="rect">
+            <a:avLst/>
+          </a:prstGeom>
+        </p:spPr>
+      </p:pic>
+      <p:pic>
+        <p:nvPicPr>
+          <p:cNvPr id="17" name="그림 16">
+            <a:extLst>
+              <a:ext uri="{FF2B5EF4-FFF2-40B4-BE49-F238E27FC236}">
+                <a16:creationId xmlns:a16="http://schemas.microsoft.com/office/drawing/2014/main" id="{7F71F9BF-1C20-DEE2-D093-8680DDBD4252}"/>
+              </a:ext>
+            </a:extLst>
+          </p:cNvPr>
+          <p:cNvPicPr>
+            <a:picLocks noChangeAspect="1"/>
+          </p:cNvPicPr>
+          <p:nvPr/>
+        </p:nvPicPr>
+        <p:blipFill>
+          <a:blip r:embed="rId5"/>
+          <a:stretch>
+            <a:fillRect/>
+          </a:stretch>
+        </p:blipFill>
+        <p:spPr>
+          <a:xfrm>
+            <a:off x="1557393" y="4444121"/>
+            <a:ext cx="4394906" cy="1726053"/>
+          </a:xfrm>
+          <a:prstGeom prst="rect">
+            <a:avLst/>
+          </a:prstGeom>
+        </p:spPr>
+      </p:pic>
+      <p:pic>
+        <p:nvPicPr>
+          <p:cNvPr id="19" name="그림 18">
+            <a:extLst>
+              <a:ext uri="{FF2B5EF4-FFF2-40B4-BE49-F238E27FC236}">
+                <a16:creationId xmlns:a16="http://schemas.microsoft.com/office/drawing/2014/main" id="{6ED3286E-4BC9-9BB8-3B66-D9D71235063B}"/>
+              </a:ext>
+            </a:extLst>
+          </p:cNvPr>
+          <p:cNvPicPr>
+            <a:picLocks noChangeAspect="1"/>
+          </p:cNvPicPr>
+          <p:nvPr/>
+        </p:nvPicPr>
+        <p:blipFill>
+          <a:blip r:embed="rId6"/>
+          <a:stretch>
+            <a:fillRect/>
+          </a:stretch>
+        </p:blipFill>
+        <p:spPr>
+          <a:xfrm>
+            <a:off x="7327154" y="2064997"/>
+            <a:ext cx="1924439" cy="2494174"/>
+          </a:xfrm>
+          <a:prstGeom prst="rect">
+            <a:avLst/>
+          </a:prstGeom>
+        </p:spPr>
+      </p:pic>
+      <p:sp>
+        <p:nvSpPr>
+          <p:cNvPr id="20" name="TextBox 19">
+            <a:extLst>
+              <a:ext uri="{FF2B5EF4-FFF2-40B4-BE49-F238E27FC236}">
+                <a16:creationId xmlns:a16="http://schemas.microsoft.com/office/drawing/2014/main" id="{C5B304DB-9410-5538-F490-E6BC3DE42531}"/>
+              </a:ext>
+            </a:extLst>
+          </p:cNvPr>
+          <p:cNvSpPr txBox="1"/>
+          <p:nvPr/>
+        </p:nvSpPr>
+        <p:spPr>
+          <a:xfrm>
+            <a:off x="5809125" y="2017959"/>
+            <a:ext cx="905069" cy="369332"/>
+          </a:xfrm>
+          <a:prstGeom prst="rect">
+            <a:avLst/>
+          </a:prstGeom>
+          <a:noFill/>
+        </p:spPr>
+        <p:txBody>
+          <a:bodyPr wrap="square" rtlCol="0">
+            <a:spAutoFit/>
+          </a:bodyPr>
+          <a:lstStyle/>
+          <a:p>
+            <a:r>
+              <a:rPr lang="en-US" altLang="ko-KR" dirty="0">
+                <a:latin typeface="강한공군체 Bold" panose="020B0800000101010101" pitchFamily="34" charset="-127"/>
+                <a:ea typeface="강한공군체 Bold" panose="020B0800000101010101" pitchFamily="34" charset="-127"/>
+              </a:rPr>
+              <a:t>1</a:t>
+            </a:r>
+            <a:r>
+              <a:rPr lang="ko-KR" altLang="en-US" dirty="0">
+                <a:latin typeface="강한공군체 Bold" panose="020B0800000101010101" pitchFamily="34" charset="-127"/>
+                <a:ea typeface="강한공군체 Bold" panose="020B0800000101010101" pitchFamily="34" charset="-127"/>
+              </a:rPr>
+              <a:t>주차</a:t>
+            </a:r>
+          </a:p>
+        </p:txBody>
+      </p:sp>
+      <p:sp>
+        <p:nvSpPr>
+          <p:cNvPr id="21" name="TextBox 20">
+            <a:extLst>
+              <a:ext uri="{FF2B5EF4-FFF2-40B4-BE49-F238E27FC236}">
+                <a16:creationId xmlns:a16="http://schemas.microsoft.com/office/drawing/2014/main" id="{94A78979-AD6C-E5FF-6BD8-039986C3B1A0}"/>
+              </a:ext>
+            </a:extLst>
+          </p:cNvPr>
+          <p:cNvSpPr txBox="1"/>
+          <p:nvPr/>
+        </p:nvSpPr>
+        <p:spPr>
+          <a:xfrm>
+            <a:off x="5809124" y="3855874"/>
+            <a:ext cx="905069" cy="369332"/>
+          </a:xfrm>
+          <a:prstGeom prst="rect">
+            <a:avLst/>
+          </a:prstGeom>
+          <a:noFill/>
+        </p:spPr>
+        <p:txBody>
+          <a:bodyPr wrap="square" rtlCol="0">
+            <a:spAutoFit/>
+          </a:bodyPr>
+          <a:lstStyle/>
+          <a:p>
+            <a:r>
+              <a:rPr lang="en-US" altLang="ko-KR" dirty="0">
+                <a:latin typeface="강한공군체 Bold" panose="020B0800000101010101" pitchFamily="34" charset="-127"/>
+                <a:ea typeface="강한공군체 Bold" panose="020B0800000101010101" pitchFamily="34" charset="-127"/>
+              </a:rPr>
+              <a:t>2</a:t>
+            </a:r>
+            <a:r>
+              <a:rPr lang="ko-KR" altLang="en-US" dirty="0">
+                <a:latin typeface="강한공군체 Bold" panose="020B0800000101010101" pitchFamily="34" charset="-127"/>
+                <a:ea typeface="강한공군체 Bold" panose="020B0800000101010101" pitchFamily="34" charset="-127"/>
+              </a:rPr>
+              <a:t>주차</a:t>
+            </a:r>
+          </a:p>
+        </p:txBody>
+      </p:sp>
+      <p:sp>
+        <p:nvSpPr>
+          <p:cNvPr id="22" name="TextBox 21">
+            <a:extLst>
+              <a:ext uri="{FF2B5EF4-FFF2-40B4-BE49-F238E27FC236}">
+                <a16:creationId xmlns:a16="http://schemas.microsoft.com/office/drawing/2014/main" id="{F46ED09B-FA0A-C601-831A-0BA61AA6979A}"/>
+              </a:ext>
+            </a:extLst>
+          </p:cNvPr>
+          <p:cNvSpPr txBox="1"/>
+          <p:nvPr/>
+        </p:nvSpPr>
+        <p:spPr>
+          <a:xfrm>
+            <a:off x="5906279" y="5693789"/>
+            <a:ext cx="905069" cy="369332"/>
+          </a:xfrm>
+          <a:prstGeom prst="rect">
+            <a:avLst/>
+          </a:prstGeom>
+          <a:noFill/>
+        </p:spPr>
+        <p:txBody>
+          <a:bodyPr wrap="square" rtlCol="0">
+            <a:spAutoFit/>
+          </a:bodyPr>
+          <a:lstStyle/>
+          <a:p>
+            <a:r>
+              <a:rPr lang="en-US" altLang="ko-KR" dirty="0">
+                <a:latin typeface="강한공군체 Bold" panose="020B0800000101010101" pitchFamily="34" charset="-127"/>
+                <a:ea typeface="강한공군체 Bold" panose="020B0800000101010101" pitchFamily="34" charset="-127"/>
+              </a:rPr>
+              <a:t>3</a:t>
+            </a:r>
+            <a:r>
+              <a:rPr lang="ko-KR" altLang="en-US" dirty="0">
+                <a:latin typeface="강한공군체 Bold" panose="020B0800000101010101" pitchFamily="34" charset="-127"/>
+                <a:ea typeface="강한공군체 Bold" panose="020B0800000101010101" pitchFamily="34" charset="-127"/>
+              </a:rPr>
+              <a:t>주차</a:t>
+            </a:r>
+          </a:p>
+        </p:txBody>
+      </p:sp>
+      <p:sp>
+        <p:nvSpPr>
+          <p:cNvPr id="23" name="TextBox 22">
+            <a:extLst>
+              <a:ext uri="{FF2B5EF4-FFF2-40B4-BE49-F238E27FC236}">
+                <a16:creationId xmlns:a16="http://schemas.microsoft.com/office/drawing/2014/main" id="{C2FE8B03-3A30-FCDC-95F6-8BB288F1085F}"/>
+              </a:ext>
+            </a:extLst>
+          </p:cNvPr>
+          <p:cNvSpPr txBox="1"/>
+          <p:nvPr/>
+        </p:nvSpPr>
+        <p:spPr>
+          <a:xfrm>
+            <a:off x="8551727" y="4218414"/>
+            <a:ext cx="2010928" cy="369332"/>
+          </a:xfrm>
+          <a:prstGeom prst="rect">
+            <a:avLst/>
+          </a:prstGeom>
+          <a:noFill/>
+        </p:spPr>
+        <p:txBody>
+          <a:bodyPr wrap="square" rtlCol="0">
+            <a:spAutoFit/>
+          </a:bodyPr>
+          <a:lstStyle/>
+          <a:p>
+            <a:r>
+              <a:rPr lang="ko-KR" altLang="en-US" err="1">
+                <a:latin typeface="강한공군체 Bold" panose="020B0800000101010101" pitchFamily="34" charset="-127"/>
+                <a:ea typeface="강한공군체 Bold" panose="020B0800000101010101" pitchFamily="34" charset="-127"/>
+              </a:rPr>
+              <a:t>주차별</a:t>
+            </a:r>
+            <a:r>
+              <a:rPr lang="ko-KR" altLang="en-US" dirty="0">
+                <a:latin typeface="강한공군체 Bold" panose="020B0800000101010101" pitchFamily="34" charset="-127"/>
+                <a:ea typeface="강한공군체 Bold" panose="020B0800000101010101" pitchFamily="34" charset="-127"/>
+              </a:rPr>
+              <a:t> 그래프</a:t>
+            </a:r>
+          </a:p>
+        </p:txBody>
+      </p:sp>
     </p:spTree>
     <p:extLst>
       <p:ext uri="{BB962C8B-B14F-4D97-AF65-F5344CB8AC3E}">
